--- a/ErlangIntro.pptx
+++ b/ErlangIntro.pptx
@@ -6,13 +6,14 @@
   </p:sldMasterIdLst>
   <p:sldIdLst>
     <p:sldId id="256" r:id="rId2"/>
-    <p:sldId id="257" r:id="rId3"/>
-    <p:sldId id="259" r:id="rId4"/>
-    <p:sldId id="258" r:id="rId5"/>
-    <p:sldId id="260" r:id="rId6"/>
-    <p:sldId id="261" r:id="rId7"/>
-    <p:sldId id="262" r:id="rId8"/>
-    <p:sldId id="263" r:id="rId9"/>
+    <p:sldId id="266" r:id="rId3"/>
+    <p:sldId id="264" r:id="rId4"/>
+    <p:sldId id="259" r:id="rId5"/>
+    <p:sldId id="258" r:id="rId6"/>
+    <p:sldId id="260" r:id="rId7"/>
+    <p:sldId id="261" r:id="rId8"/>
+    <p:sldId id="262" r:id="rId9"/>
+    <p:sldId id="263" r:id="rId10"/>
   </p:sldIdLst>
   <p:sldSz cx="9144000" cy="6858000" type="screen4x3"/>
   <p:notesSz cx="6858000" cy="9144000"/>
@@ -295,7 +296,7 @@
           <a:p>
             <a:fld id="{6956168A-F7A3-4BBB-BD65-DF52C63DDC05}" type="datetimeFigureOut">
               <a:rPr lang="en-US" smtClean="0"/>
-              <a:t>5/30/2014</a:t>
+              <a:t>10/27/2014</a:t>
             </a:fld>
             <a:endParaRPr lang="en-US"/>
           </a:p>
@@ -465,7 +466,7 @@
           <a:p>
             <a:fld id="{6956168A-F7A3-4BBB-BD65-DF52C63DDC05}" type="datetimeFigureOut">
               <a:rPr lang="en-US" smtClean="0"/>
-              <a:t>5/30/2014</a:t>
+              <a:t>10/27/2014</a:t>
             </a:fld>
             <a:endParaRPr lang="en-US"/>
           </a:p>
@@ -645,7 +646,7 @@
           <a:p>
             <a:fld id="{6956168A-F7A3-4BBB-BD65-DF52C63DDC05}" type="datetimeFigureOut">
               <a:rPr lang="en-US" smtClean="0"/>
-              <a:t>5/30/2014</a:t>
+              <a:t>10/27/2014</a:t>
             </a:fld>
             <a:endParaRPr lang="en-US"/>
           </a:p>
@@ -815,7 +816,7 @@
           <a:p>
             <a:fld id="{6956168A-F7A3-4BBB-BD65-DF52C63DDC05}" type="datetimeFigureOut">
               <a:rPr lang="en-US" smtClean="0"/>
-              <a:t>5/30/2014</a:t>
+              <a:t>10/27/2014</a:t>
             </a:fld>
             <a:endParaRPr lang="en-US"/>
           </a:p>
@@ -1061,7 +1062,7 @@
           <a:p>
             <a:fld id="{6956168A-F7A3-4BBB-BD65-DF52C63DDC05}" type="datetimeFigureOut">
               <a:rPr lang="en-US" smtClean="0"/>
-              <a:t>5/30/2014</a:t>
+              <a:t>10/27/2014</a:t>
             </a:fld>
             <a:endParaRPr lang="en-US"/>
           </a:p>
@@ -1349,7 +1350,7 @@
           <a:p>
             <a:fld id="{6956168A-F7A3-4BBB-BD65-DF52C63DDC05}" type="datetimeFigureOut">
               <a:rPr lang="en-US" smtClean="0"/>
-              <a:t>5/30/2014</a:t>
+              <a:t>10/27/2014</a:t>
             </a:fld>
             <a:endParaRPr lang="en-US"/>
           </a:p>
@@ -1771,7 +1772,7 @@
           <a:p>
             <a:fld id="{6956168A-F7A3-4BBB-BD65-DF52C63DDC05}" type="datetimeFigureOut">
               <a:rPr lang="en-US" smtClean="0"/>
-              <a:t>5/30/2014</a:t>
+              <a:t>10/27/2014</a:t>
             </a:fld>
             <a:endParaRPr lang="en-US"/>
           </a:p>
@@ -1889,7 +1890,7 @@
           <a:p>
             <a:fld id="{6956168A-F7A3-4BBB-BD65-DF52C63DDC05}" type="datetimeFigureOut">
               <a:rPr lang="en-US" smtClean="0"/>
-              <a:t>5/30/2014</a:t>
+              <a:t>10/27/2014</a:t>
             </a:fld>
             <a:endParaRPr lang="en-US"/>
           </a:p>
@@ -1984,7 +1985,7 @@
           <a:p>
             <a:fld id="{6956168A-F7A3-4BBB-BD65-DF52C63DDC05}" type="datetimeFigureOut">
               <a:rPr lang="en-US" smtClean="0"/>
-              <a:t>5/30/2014</a:t>
+              <a:t>10/27/2014</a:t>
             </a:fld>
             <a:endParaRPr lang="en-US"/>
           </a:p>
@@ -2261,7 +2262,7 @@
           <a:p>
             <a:fld id="{6956168A-F7A3-4BBB-BD65-DF52C63DDC05}" type="datetimeFigureOut">
               <a:rPr lang="en-US" smtClean="0"/>
-              <a:t>5/30/2014</a:t>
+              <a:t>10/27/2014</a:t>
             </a:fld>
             <a:endParaRPr lang="en-US"/>
           </a:p>
@@ -2514,7 +2515,7 @@
           <a:p>
             <a:fld id="{6956168A-F7A3-4BBB-BD65-DF52C63DDC05}" type="datetimeFigureOut">
               <a:rPr lang="en-US" smtClean="0"/>
-              <a:t>5/30/2014</a:t>
+              <a:t>10/27/2014</a:t>
             </a:fld>
             <a:endParaRPr lang="en-US"/>
           </a:p>
@@ -2727,7 +2728,7 @@
           <a:p>
             <a:fld id="{6956168A-F7A3-4BBB-BD65-DF52C63DDC05}" type="datetimeFigureOut">
               <a:rPr lang="en-US" smtClean="0"/>
-              <a:t>5/30/2014</a:t>
+              <a:t>10/27/2014</a:t>
             </a:fld>
             <a:endParaRPr lang="en-US"/>
           </a:p>
@@ -3158,6 +3159,13 @@
   <p:clrMapOvr>
     <a:masterClrMapping/>
   </p:clrMapOvr>
+  <p:timing>
+    <p:tnLst>
+      <p:par>
+        <p:cTn id="1" dur="indefinite" restart="never" nodeType="tmRoot"/>
+      </p:par>
+    </p:tnLst>
+  </p:timing>
 </p:sld>
 </file>
 
@@ -3193,37 +3201,49 @@
           <a:bodyPr/>
           <a:lstStyle/>
           <a:p>
-            <a:r>
-              <a:rPr lang="en-US" dirty="0" smtClean="0"/>
-              <a:t>Brief </a:t>
-            </a:r>
-            <a:r>
-              <a:rPr lang="en-US" dirty="0" err="1" smtClean="0"/>
+            <a:endParaRPr lang="en-US"/>
+          </a:p>
+        </p:txBody>
+      </p:sp>
+      <p:sp>
+        <p:nvSpPr>
+          <p:cNvPr id="3" name="Content Placeholder 2"/>
+          <p:cNvSpPr>
+            <a:spLocks noGrp="1"/>
+          </p:cNvSpPr>
+          <p:nvPr>
+            <p:ph idx="1"/>
+          </p:nvPr>
+        </p:nvSpPr>
+        <p:spPr/>
+        <p:txBody>
+          <a:bodyPr/>
+          <a:lstStyle/>
+          <a:p>
+            <a:pPr marL="0" indent="0">
+              <a:buNone/>
+            </a:pPr>
+            <a:r>
+              <a:rPr lang="en-US" dirty="0" err="1"/>
               <a:t>Erlang</a:t>
             </a:r>
             <a:r>
-              <a:rPr lang="en-US" dirty="0" smtClean="0"/>
-              <a:t> history</a:t>
-            </a:r>
-            <a:endParaRPr lang="en-US" dirty="0"/>
-          </a:p>
-        </p:txBody>
-      </p:sp>
-      <p:sp>
-        <p:nvSpPr>
-          <p:cNvPr id="3" name="Content Placeholder 2"/>
-          <p:cNvSpPr>
-            <a:spLocks noGrp="1"/>
-          </p:cNvSpPr>
-          <p:nvPr>
-            <p:ph idx="1"/>
-          </p:nvPr>
-        </p:nvSpPr>
-        <p:spPr/>
-        <p:txBody>
-          <a:bodyPr/>
-          <a:lstStyle/>
-          <a:p>
+              <a:rPr lang="en-US" dirty="0"/>
+              <a:t> is a programming language used to build massively scalable soft real-time systems with requirements on high availability. Some of its uses are in telecoms, banking, e-commerce, computer telephony and instant messaging. </a:t>
+            </a:r>
+            <a:r>
+              <a:rPr lang="en-US" dirty="0" err="1"/>
+              <a:t>Erlang's</a:t>
+            </a:r>
+            <a:r>
+              <a:rPr lang="en-US" dirty="0"/>
+              <a:t> runtime system has built-in support for concurrency, distribution and fault tolerance.</a:t>
+            </a:r>
+          </a:p>
+          <a:p>
+            <a:pPr marL="0" indent="0">
+              <a:buNone/>
+            </a:pPr>
             <a:endParaRPr lang="en-US" dirty="0"/>
           </a:p>
         </p:txBody>
@@ -3231,13 +3251,20 @@
     </p:spTree>
     <p:extLst>
       <p:ext uri="{BB962C8B-B14F-4D97-AF65-F5344CB8AC3E}">
-        <p14:creationId xmlns:p14="http://schemas.microsoft.com/office/powerpoint/2010/main" val="730613849"/>
+        <p14:creationId xmlns:p14="http://schemas.microsoft.com/office/powerpoint/2010/main" val="622124872"/>
       </p:ext>
     </p:extLst>
   </p:cSld>
   <p:clrMapOvr>
     <a:masterClrMapping/>
   </p:clrMapOvr>
+  <p:timing>
+    <p:tnLst>
+      <p:par>
+        <p:cTn id="1" dur="indefinite" restart="never" nodeType="tmRoot"/>
+      </p:par>
+    </p:tnLst>
+  </p:timing>
 </p:sld>
 </file>
 
@@ -3273,115 +3300,75 @@
           <a:bodyPr/>
           <a:lstStyle/>
           <a:p>
-            <a:r>
-              <a:rPr lang="en-US" dirty="0" err="1" smtClean="0"/>
-              <a:t>Erlang</a:t>
-            </a:r>
+            <a:endParaRPr lang="en-US" dirty="0"/>
+          </a:p>
+        </p:txBody>
+      </p:sp>
+      <p:sp>
+        <p:nvSpPr>
+          <p:cNvPr id="3" name="Content Placeholder 2"/>
+          <p:cNvSpPr>
+            <a:spLocks noGrp="1"/>
+          </p:cNvSpPr>
+          <p:nvPr>
+            <p:ph idx="1"/>
+          </p:nvPr>
+        </p:nvSpPr>
+        <p:spPr>
+          <a:xfrm>
+            <a:off x="457200" y="1628800"/>
+            <a:ext cx="8229600" cy="4497363"/>
+          </a:xfrm>
+        </p:spPr>
+        <p:txBody>
+          <a:bodyPr>
+            <a:noAutofit/>
+          </a:bodyPr>
+          <a:lstStyle/>
+          <a:p>
+            <a:pPr marL="0" indent="0">
+              <a:buNone/>
+            </a:pPr>
             <a:r>
               <a:rPr lang="en-US" dirty="0" smtClean="0"/>
-              <a:t> “Hello guys!”</a:t>
-            </a:r>
-            <a:endParaRPr lang="en-US" dirty="0"/>
-          </a:p>
-        </p:txBody>
-      </p:sp>
-      <p:sp>
-        <p:nvSpPr>
-          <p:cNvPr id="3" name="Content Placeholder 2"/>
-          <p:cNvSpPr>
-            <a:spLocks noGrp="1"/>
-          </p:cNvSpPr>
-          <p:nvPr>
-            <p:ph idx="1"/>
-          </p:nvPr>
-        </p:nvSpPr>
-        <p:spPr/>
-        <p:txBody>
-          <a:bodyPr/>
-          <a:lstStyle/>
-          <a:p>
+              <a:t>The </a:t>
+            </a:r>
+            <a:r>
+              <a:rPr lang="en-US" dirty="0"/>
+              <a:t>sequential subset of </a:t>
+            </a:r>
             <a:r>
               <a:rPr lang="en-US" dirty="0" smtClean="0"/>
-              <a:t>“Hello guys” on </a:t>
-            </a:r>
-            <a:r>
-              <a:rPr lang="en-US" dirty="0" err="1" smtClean="0"/>
-              <a:t>Erlang</a:t>
-            </a:r>
-            <a:endParaRPr lang="en-US" dirty="0" smtClean="0"/>
-          </a:p>
-          <a:p>
-            <a:endParaRPr lang="en-US" dirty="0"/>
-          </a:p>
-          <a:p>
-            <a:pPr marL="0" indent="0">
-              <a:buNone/>
-            </a:pPr>
+              <a:t>ERLANG </a:t>
+            </a:r>
             <a:r>
               <a:rPr lang="en-US" dirty="0"/>
-              <a:t>-module(</a:t>
-            </a:r>
-            <a:r>
-              <a:rPr lang="en-US" dirty="0" err="1"/>
-              <a:t>hello_world</a:t>
-            </a:r>
-            <a:r>
-              <a:rPr lang="en-US" dirty="0"/>
-              <a:t>).</a:t>
-            </a:r>
-          </a:p>
-          <a:p>
-            <a:pPr marL="0" indent="0">
-              <a:buNone/>
-            </a:pPr>
-            <a:r>
-              <a:rPr lang="en-US" dirty="0"/>
-              <a:t>-export([f1/0]).</a:t>
-            </a:r>
-          </a:p>
-          <a:p>
-            <a:pPr marL="0" indent="0">
-              <a:buNone/>
-            </a:pPr>
-            <a:r>
-              <a:rPr lang="en-US" dirty="0"/>
-              <a:t>f1()-&gt;</a:t>
-            </a:r>
-          </a:p>
-          <a:p>
-            <a:pPr marL="0" indent="0">
-              <a:buNone/>
-            </a:pPr>
-            <a:r>
-              <a:rPr lang="it-IT" dirty="0" smtClean="0"/>
-              <a:t>	io:format</a:t>
-            </a:r>
-            <a:r>
-              <a:rPr lang="it-IT" dirty="0"/>
-              <a:t>("hello ibm guys </a:t>
-            </a:r>
-            <a:r>
-              <a:rPr lang="it-IT" dirty="0" smtClean="0"/>
-              <a:t>!</a:t>
-            </a:r>
-            <a:r>
-              <a:rPr lang="it-IT" dirty="0" smtClean="0"/>
-              <a:t> ").</a:t>
-            </a:r>
-            <a:endParaRPr lang="en-US" dirty="0"/>
+              <a:t>is a functional language, with eager evaluation, single assignment, and dynamic typing. It was designed by Ericsson to support distributed, fault-tolerant, soft-real-time, non-stop applications. It supports hot swapping, so that code can be changed without stopping a </a:t>
+            </a:r>
+            <a:r>
+              <a:rPr lang="en-US" dirty="0" smtClean="0"/>
+              <a:t>system</a:t>
+            </a:r>
           </a:p>
         </p:txBody>
       </p:sp>
     </p:spTree>
     <p:extLst>
       <p:ext uri="{BB962C8B-B14F-4D97-AF65-F5344CB8AC3E}">
-        <p14:creationId xmlns:p14="http://schemas.microsoft.com/office/powerpoint/2010/main" val="1903038109"/>
+        <p14:creationId xmlns:p14="http://schemas.microsoft.com/office/powerpoint/2010/main" val="2664373458"/>
       </p:ext>
     </p:extLst>
   </p:cSld>
   <p:clrMapOvr>
     <a:masterClrMapping/>
   </p:clrMapOvr>
+  <p:timing>
+    <p:tnLst>
+      <p:par>
+        <p:cTn id="1" dur="indefinite" restart="never" nodeType="tmRoot"/>
+      </p:par>
+    </p:tnLst>
+  </p:timing>
 </p:sld>
 </file>
 
@@ -3423,7 +3410,7 @@
             </a:r>
             <a:r>
               <a:rPr lang="en-US" dirty="0" smtClean="0"/>
-              <a:t> data types</a:t>
+              <a:t> “Hello guys!”</a:t>
             </a:r>
             <a:endParaRPr lang="en-US" dirty="0"/>
           </a:p>
@@ -3446,13 +3433,67 @@
           <a:p>
             <a:r>
               <a:rPr lang="en-US" dirty="0" smtClean="0"/>
-              <a:t>Variables</a:t>
-            </a:r>
-          </a:p>
-          <a:p>
-            <a:r>
-              <a:rPr lang="en-US" dirty="0" smtClean="0"/>
-              <a:t>Atoms</a:t>
+              <a:t>“Hello guys” on </a:t>
+            </a:r>
+            <a:r>
+              <a:rPr lang="en-US" dirty="0" err="1" smtClean="0"/>
+              <a:t>Erlang</a:t>
+            </a:r>
+            <a:endParaRPr lang="en-US" dirty="0" smtClean="0"/>
+          </a:p>
+          <a:p>
+            <a:endParaRPr lang="en-US" dirty="0"/>
+          </a:p>
+          <a:p>
+            <a:pPr marL="0" indent="0">
+              <a:buNone/>
+            </a:pPr>
+            <a:r>
+              <a:rPr lang="en-US" dirty="0"/>
+              <a:t>-module(</a:t>
+            </a:r>
+            <a:r>
+              <a:rPr lang="en-US" dirty="0" err="1"/>
+              <a:t>hello_world</a:t>
+            </a:r>
+            <a:r>
+              <a:rPr lang="en-US" dirty="0"/>
+              <a:t>).</a:t>
+            </a:r>
+          </a:p>
+          <a:p>
+            <a:pPr marL="0" indent="0">
+              <a:buNone/>
+            </a:pPr>
+            <a:r>
+              <a:rPr lang="en-US" dirty="0"/>
+              <a:t>-export([f1/0]).</a:t>
+            </a:r>
+          </a:p>
+          <a:p>
+            <a:pPr marL="0" indent="0">
+              <a:buNone/>
+            </a:pPr>
+            <a:r>
+              <a:rPr lang="en-US" dirty="0"/>
+              <a:t>f1()-&gt;</a:t>
+            </a:r>
+          </a:p>
+          <a:p>
+            <a:pPr marL="0" indent="0">
+              <a:buNone/>
+            </a:pPr>
+            <a:r>
+              <a:rPr lang="it-IT" dirty="0" smtClean="0"/>
+              <a:t>	io:format</a:t>
+            </a:r>
+            <a:r>
+              <a:rPr lang="it-IT" dirty="0"/>
+              <a:t>("hello ibm guys </a:t>
+            </a:r>
+            <a:r>
+              <a:rPr lang="it-IT" dirty="0" smtClean="0"/>
+              <a:t>! ").</a:t>
             </a:r>
             <a:endParaRPr lang="en-US" dirty="0"/>
           </a:p>
@@ -3461,13 +3502,20 @@
     </p:spTree>
     <p:extLst>
       <p:ext uri="{BB962C8B-B14F-4D97-AF65-F5344CB8AC3E}">
-        <p14:creationId xmlns:p14="http://schemas.microsoft.com/office/powerpoint/2010/main" val="1054694142"/>
+        <p14:creationId xmlns:p14="http://schemas.microsoft.com/office/powerpoint/2010/main" val="1903038109"/>
       </p:ext>
     </p:extLst>
   </p:cSld>
   <p:clrMapOvr>
     <a:masterClrMapping/>
   </p:clrMapOvr>
+  <p:timing>
+    <p:tnLst>
+      <p:par>
+        <p:cTn id="1" dur="indefinite" restart="never" nodeType="tmRoot"/>
+      </p:par>
+    </p:tnLst>
+  </p:timing>
 </p:sld>
 </file>
 
@@ -3504,8 +3552,12 @@
           <a:lstStyle/>
           <a:p>
             <a:r>
+              <a:rPr lang="en-US" dirty="0" err="1" smtClean="0"/>
+              <a:t>Erlang</a:t>
+            </a:r>
+            <a:r>
               <a:rPr lang="en-US" dirty="0" smtClean="0"/>
-              <a:t>Pattern matching</a:t>
+              <a:t> data types</a:t>
             </a:r>
             <a:endParaRPr lang="en-US" dirty="0"/>
           </a:p>
@@ -3526,20 +3578,37 @@
           <a:bodyPr/>
           <a:lstStyle/>
           <a:p>
-            <a:endParaRPr lang="en-US"/>
+            <a:r>
+              <a:rPr lang="en-US" dirty="0" smtClean="0"/>
+              <a:t>Variables</a:t>
+            </a:r>
+          </a:p>
+          <a:p>
+            <a:r>
+              <a:rPr lang="en-US" dirty="0" smtClean="0"/>
+              <a:t>Atoms</a:t>
+            </a:r>
+            <a:endParaRPr lang="en-US" dirty="0"/>
           </a:p>
         </p:txBody>
       </p:sp>
     </p:spTree>
     <p:extLst>
       <p:ext uri="{BB962C8B-B14F-4D97-AF65-F5344CB8AC3E}">
-        <p14:creationId xmlns:p14="http://schemas.microsoft.com/office/powerpoint/2010/main" val="819661876"/>
+        <p14:creationId xmlns:p14="http://schemas.microsoft.com/office/powerpoint/2010/main" val="1054694142"/>
       </p:ext>
     </p:extLst>
   </p:cSld>
   <p:clrMapOvr>
     <a:masterClrMapping/>
   </p:clrMapOvr>
+  <p:timing>
+    <p:tnLst>
+      <p:par>
+        <p:cTn id="1" dur="indefinite" restart="never" nodeType="tmRoot"/>
+      </p:par>
+    </p:tnLst>
+  </p:timing>
 </p:sld>
 </file>
 
@@ -3577,7 +3646,7 @@
           <a:p>
             <a:r>
               <a:rPr lang="en-US" dirty="0" smtClean="0"/>
-              <a:t>Recursion</a:t>
+              <a:t>Pattern matching</a:t>
             </a:r>
             <a:endParaRPr lang="en-US" dirty="0"/>
           </a:p>
@@ -3605,13 +3674,20 @@
     </p:spTree>
     <p:extLst>
       <p:ext uri="{BB962C8B-B14F-4D97-AF65-F5344CB8AC3E}">
-        <p14:creationId xmlns:p14="http://schemas.microsoft.com/office/powerpoint/2010/main" val="1667088247"/>
+        <p14:creationId xmlns:p14="http://schemas.microsoft.com/office/powerpoint/2010/main" val="819661876"/>
       </p:ext>
     </p:extLst>
   </p:cSld>
   <p:clrMapOvr>
     <a:masterClrMapping/>
   </p:clrMapOvr>
+  <p:timing>
+    <p:tnLst>
+      <p:par>
+        <p:cTn id="1" dur="indefinite" restart="never" nodeType="tmRoot"/>
+      </p:par>
+    </p:tnLst>
+  </p:timing>
 </p:sld>
 </file>
 
@@ -3649,7 +3725,7 @@
           <a:p>
             <a:r>
               <a:rPr lang="en-US" dirty="0" smtClean="0"/>
-              <a:t>Functions</a:t>
+              <a:t>Recursion</a:t>
             </a:r>
             <a:endParaRPr lang="en-US" dirty="0"/>
           </a:p>
@@ -3677,13 +3753,20 @@
     </p:spTree>
     <p:extLst>
       <p:ext uri="{BB962C8B-B14F-4D97-AF65-F5344CB8AC3E}">
-        <p14:creationId xmlns:p14="http://schemas.microsoft.com/office/powerpoint/2010/main" val="1957578262"/>
+        <p14:creationId xmlns:p14="http://schemas.microsoft.com/office/powerpoint/2010/main" val="1667088247"/>
       </p:ext>
     </p:extLst>
   </p:cSld>
   <p:clrMapOvr>
     <a:masterClrMapping/>
   </p:clrMapOvr>
+  <p:timing>
+    <p:tnLst>
+      <p:par>
+        <p:cTn id="1" dur="indefinite" restart="never" nodeType="tmRoot"/>
+      </p:par>
+    </p:tnLst>
+  </p:timing>
 </p:sld>
 </file>
 
@@ -3721,6 +3804,85 @@
           <a:p>
             <a:r>
               <a:rPr lang="en-US" dirty="0" smtClean="0"/>
+              <a:t>Functions</a:t>
+            </a:r>
+            <a:endParaRPr lang="en-US" dirty="0"/>
+          </a:p>
+        </p:txBody>
+      </p:sp>
+      <p:sp>
+        <p:nvSpPr>
+          <p:cNvPr id="3" name="Content Placeholder 2"/>
+          <p:cNvSpPr>
+            <a:spLocks noGrp="1"/>
+          </p:cNvSpPr>
+          <p:nvPr>
+            <p:ph idx="1"/>
+          </p:nvPr>
+        </p:nvSpPr>
+        <p:spPr/>
+        <p:txBody>
+          <a:bodyPr/>
+          <a:lstStyle/>
+          <a:p>
+            <a:endParaRPr lang="en-US"/>
+          </a:p>
+        </p:txBody>
+      </p:sp>
+    </p:spTree>
+    <p:extLst>
+      <p:ext uri="{BB962C8B-B14F-4D97-AF65-F5344CB8AC3E}">
+        <p14:creationId xmlns:p14="http://schemas.microsoft.com/office/powerpoint/2010/main" val="1957578262"/>
+      </p:ext>
+    </p:extLst>
+  </p:cSld>
+  <p:clrMapOvr>
+    <a:masterClrMapping/>
+  </p:clrMapOvr>
+  <p:timing>
+    <p:tnLst>
+      <p:par>
+        <p:cTn id="1" dur="indefinite" restart="never" nodeType="tmRoot"/>
+      </p:par>
+    </p:tnLst>
+  </p:timing>
+</p:sld>
+</file>
+
+<file path=ppt/slides/slide9.xml><?xml version="1.0" encoding="utf-8"?>
+<p:sld xmlns:a="http://schemas.openxmlformats.org/drawingml/2006/main" xmlns:r="http://schemas.openxmlformats.org/officeDocument/2006/relationships" xmlns:p="http://schemas.openxmlformats.org/presentationml/2006/main">
+  <p:cSld>
+    <p:spTree>
+      <p:nvGrpSpPr>
+        <p:cNvPr id="1" name=""/>
+        <p:cNvGrpSpPr/>
+        <p:nvPr/>
+      </p:nvGrpSpPr>
+      <p:grpSpPr>
+        <a:xfrm>
+          <a:off x="0" y="0"/>
+          <a:ext cx="0" cy="0"/>
+          <a:chOff x="0" y="0"/>
+          <a:chExt cx="0" cy="0"/>
+        </a:xfrm>
+      </p:grpSpPr>
+      <p:sp>
+        <p:nvSpPr>
+          <p:cNvPr id="2" name="Title 1"/>
+          <p:cNvSpPr>
+            <a:spLocks noGrp="1"/>
+          </p:cNvSpPr>
+          <p:nvPr>
+            <p:ph type="title"/>
+          </p:nvPr>
+        </p:nvSpPr>
+        <p:spPr/>
+        <p:txBody>
+          <a:bodyPr/>
+          <a:lstStyle/>
+          <a:p>
+            <a:r>
+              <a:rPr lang="en-US" dirty="0" smtClean="0"/>
               <a:t>High order functions</a:t>
             </a:r>
             <a:endParaRPr lang="en-US" dirty="0"/>
@@ -3756,6 +3918,13 @@
   <p:clrMapOvr>
     <a:masterClrMapping/>
   </p:clrMapOvr>
+  <p:timing>
+    <p:tnLst>
+      <p:par>
+        <p:cTn id="1" dur="indefinite" restart="never" nodeType="tmRoot"/>
+      </p:par>
+    </p:tnLst>
+  </p:timing>
 </p:sld>
 </file>
 

--- a/ErlangIntro.pptx
+++ b/ErlangIntro.pptx
@@ -296,7 +296,7 @@
           <a:p>
             <a:fld id="{6956168A-F7A3-4BBB-BD65-DF52C63DDC05}" type="datetimeFigureOut">
               <a:rPr lang="en-US" smtClean="0"/>
-              <a:t>10/27/2014</a:t>
+              <a:t>10/28/2014</a:t>
             </a:fld>
             <a:endParaRPr lang="en-US"/>
           </a:p>
@@ -466,7 +466,7 @@
           <a:p>
             <a:fld id="{6956168A-F7A3-4BBB-BD65-DF52C63DDC05}" type="datetimeFigureOut">
               <a:rPr lang="en-US" smtClean="0"/>
-              <a:t>10/27/2014</a:t>
+              <a:t>10/28/2014</a:t>
             </a:fld>
             <a:endParaRPr lang="en-US"/>
           </a:p>
@@ -646,7 +646,7 @@
           <a:p>
             <a:fld id="{6956168A-F7A3-4BBB-BD65-DF52C63DDC05}" type="datetimeFigureOut">
               <a:rPr lang="en-US" smtClean="0"/>
-              <a:t>10/27/2014</a:t>
+              <a:t>10/28/2014</a:t>
             </a:fld>
             <a:endParaRPr lang="en-US"/>
           </a:p>
@@ -816,7 +816,7 @@
           <a:p>
             <a:fld id="{6956168A-F7A3-4BBB-BD65-DF52C63DDC05}" type="datetimeFigureOut">
               <a:rPr lang="en-US" smtClean="0"/>
-              <a:t>10/27/2014</a:t>
+              <a:t>10/28/2014</a:t>
             </a:fld>
             <a:endParaRPr lang="en-US"/>
           </a:p>
@@ -1062,7 +1062,7 @@
           <a:p>
             <a:fld id="{6956168A-F7A3-4BBB-BD65-DF52C63DDC05}" type="datetimeFigureOut">
               <a:rPr lang="en-US" smtClean="0"/>
-              <a:t>10/27/2014</a:t>
+              <a:t>10/28/2014</a:t>
             </a:fld>
             <a:endParaRPr lang="en-US"/>
           </a:p>
@@ -1350,7 +1350,7 @@
           <a:p>
             <a:fld id="{6956168A-F7A3-4BBB-BD65-DF52C63DDC05}" type="datetimeFigureOut">
               <a:rPr lang="en-US" smtClean="0"/>
-              <a:t>10/27/2014</a:t>
+              <a:t>10/28/2014</a:t>
             </a:fld>
             <a:endParaRPr lang="en-US"/>
           </a:p>
@@ -1772,7 +1772,7 @@
           <a:p>
             <a:fld id="{6956168A-F7A3-4BBB-BD65-DF52C63DDC05}" type="datetimeFigureOut">
               <a:rPr lang="en-US" smtClean="0"/>
-              <a:t>10/27/2014</a:t>
+              <a:t>10/28/2014</a:t>
             </a:fld>
             <a:endParaRPr lang="en-US"/>
           </a:p>
@@ -1890,7 +1890,7 @@
           <a:p>
             <a:fld id="{6956168A-F7A3-4BBB-BD65-DF52C63DDC05}" type="datetimeFigureOut">
               <a:rPr lang="en-US" smtClean="0"/>
-              <a:t>10/27/2014</a:t>
+              <a:t>10/28/2014</a:t>
             </a:fld>
             <a:endParaRPr lang="en-US"/>
           </a:p>
@@ -1985,7 +1985,7 @@
           <a:p>
             <a:fld id="{6956168A-F7A3-4BBB-BD65-DF52C63DDC05}" type="datetimeFigureOut">
               <a:rPr lang="en-US" smtClean="0"/>
-              <a:t>10/27/2014</a:t>
+              <a:t>10/28/2014</a:t>
             </a:fld>
             <a:endParaRPr lang="en-US"/>
           </a:p>
@@ -2262,7 +2262,7 @@
           <a:p>
             <a:fld id="{6956168A-F7A3-4BBB-BD65-DF52C63DDC05}" type="datetimeFigureOut">
               <a:rPr lang="en-US" smtClean="0"/>
-              <a:t>10/27/2014</a:t>
+              <a:t>10/28/2014</a:t>
             </a:fld>
             <a:endParaRPr lang="en-US"/>
           </a:p>
@@ -2515,7 +2515,7 @@
           <a:p>
             <a:fld id="{6956168A-F7A3-4BBB-BD65-DF52C63DDC05}" type="datetimeFigureOut">
               <a:rPr lang="en-US" smtClean="0"/>
-              <a:t>10/27/2014</a:t>
+              <a:t>10/28/2014</a:t>
             </a:fld>
             <a:endParaRPr lang="en-US"/>
           </a:p>
@@ -2728,7 +2728,7 @@
           <a:p>
             <a:fld id="{6956168A-F7A3-4BBB-BD65-DF52C63DDC05}" type="datetimeFigureOut">
               <a:rPr lang="en-US" smtClean="0"/>
-              <a:t>10/27/2014</a:t>
+              <a:t>10/28/2014</a:t>
             </a:fld>
             <a:endParaRPr lang="en-US"/>
           </a:p>
@@ -3578,15 +3578,34 @@
           <a:bodyPr/>
           <a:lstStyle/>
           <a:p>
+            <a:endParaRPr lang="en-US" dirty="0" smtClean="0"/>
+          </a:p>
+          <a:p>
+            <a:endParaRPr lang="en-US" dirty="0"/>
+          </a:p>
+          <a:p>
             <a:r>
               <a:rPr lang="en-US" dirty="0" smtClean="0"/>
               <a:t>Variables</a:t>
             </a:r>
+            <a:endParaRPr lang="en-US" dirty="0" smtClean="0"/>
           </a:p>
           <a:p>
             <a:r>
               <a:rPr lang="en-US" dirty="0" smtClean="0"/>
               <a:t>Atoms</a:t>
+            </a:r>
+          </a:p>
+          <a:p>
+            <a:r>
+              <a:rPr lang="en-US" dirty="0" smtClean="0"/>
+              <a:t>Lists</a:t>
+            </a:r>
+          </a:p>
+          <a:p>
+            <a:r>
+              <a:rPr lang="en-US" dirty="0" smtClean="0"/>
+              <a:t>Tuples</a:t>
             </a:r>
             <a:endParaRPr lang="en-US" dirty="0"/>
           </a:p>
@@ -3644,10 +3663,6 @@
           <a:bodyPr/>
           <a:lstStyle/>
           <a:p>
-            <a:r>
-              <a:rPr lang="en-US" dirty="0" smtClean="0"/>
-              <a:t>Pattern matching</a:t>
-            </a:r>
             <a:endParaRPr lang="en-US" dirty="0"/>
           </a:p>
         </p:txBody>
@@ -3667,7 +3682,30 @@
           <a:bodyPr/>
           <a:lstStyle/>
           <a:p>
-            <a:endParaRPr lang="en-US"/>
+            <a:pPr marL="0" indent="0" algn="ctr">
+              <a:buNone/>
+            </a:pPr>
+            <a:endParaRPr lang="en-US" dirty="0" smtClean="0"/>
+          </a:p>
+          <a:p>
+            <a:pPr marL="0" indent="0" algn="ctr">
+              <a:buNone/>
+            </a:pPr>
+            <a:endParaRPr lang="en-US" dirty="0"/>
+          </a:p>
+          <a:p>
+            <a:pPr marL="0" indent="0" algn="ctr">
+              <a:buNone/>
+            </a:pPr>
+            <a:r>
+              <a:rPr lang="en-US" sz="4400" dirty="0" smtClean="0"/>
+              <a:t>Pattern </a:t>
+            </a:r>
+            <a:r>
+              <a:rPr lang="en-US" sz="4400" dirty="0"/>
+              <a:t>matching</a:t>
+            </a:r>
+            <a:endParaRPr lang="en-US" sz="4400" dirty="0"/>
           </a:p>
         </p:txBody>
       </p:sp>
@@ -3723,30 +3761,47 @@
           <a:bodyPr/>
           <a:lstStyle/>
           <a:p>
-            <a:r>
-              <a:rPr lang="en-US" dirty="0" smtClean="0"/>
+            <a:endParaRPr lang="en-US" dirty="0"/>
+          </a:p>
+        </p:txBody>
+      </p:sp>
+      <p:sp>
+        <p:nvSpPr>
+          <p:cNvPr id="3" name="Content Placeholder 2"/>
+          <p:cNvSpPr>
+            <a:spLocks noGrp="1"/>
+          </p:cNvSpPr>
+          <p:nvPr>
+            <p:ph idx="1"/>
+          </p:nvPr>
+        </p:nvSpPr>
+        <p:spPr/>
+        <p:txBody>
+          <a:bodyPr>
+            <a:normAutofit/>
+          </a:bodyPr>
+          <a:lstStyle/>
+          <a:p>
+            <a:pPr marL="0" indent="0" algn="ctr">
+              <a:buNone/>
+            </a:pPr>
+            <a:endParaRPr lang="en-US" sz="4400" dirty="0" smtClean="0"/>
+          </a:p>
+          <a:p>
+            <a:pPr marL="0" indent="0" algn="ctr">
+              <a:buNone/>
+            </a:pPr>
+            <a:endParaRPr lang="en-US" sz="4400" dirty="0"/>
+          </a:p>
+          <a:p>
+            <a:pPr marL="0" indent="0" algn="ctr">
+              <a:buNone/>
+            </a:pPr>
+            <a:r>
+              <a:rPr lang="en-US" sz="4400" dirty="0" smtClean="0"/>
               <a:t>Recursion</a:t>
             </a:r>
-            <a:endParaRPr lang="en-US" dirty="0"/>
-          </a:p>
-        </p:txBody>
-      </p:sp>
-      <p:sp>
-        <p:nvSpPr>
-          <p:cNvPr id="3" name="Content Placeholder 2"/>
-          <p:cNvSpPr>
-            <a:spLocks noGrp="1"/>
-          </p:cNvSpPr>
-          <p:nvPr>
-            <p:ph idx="1"/>
-          </p:nvPr>
-        </p:nvSpPr>
-        <p:spPr/>
-        <p:txBody>
-          <a:bodyPr/>
-          <a:lstStyle/>
-          <a:p>
-            <a:endParaRPr lang="en-US"/>
+            <a:endParaRPr lang="en-US" sz="4400" dirty="0"/>
           </a:p>
         </p:txBody>
       </p:sp>
@@ -3802,30 +3857,47 @@
           <a:bodyPr/>
           <a:lstStyle/>
           <a:p>
-            <a:r>
-              <a:rPr lang="en-US" dirty="0" smtClean="0"/>
+            <a:endParaRPr lang="en-US" dirty="0"/>
+          </a:p>
+        </p:txBody>
+      </p:sp>
+      <p:sp>
+        <p:nvSpPr>
+          <p:cNvPr id="3" name="Content Placeholder 2"/>
+          <p:cNvSpPr>
+            <a:spLocks noGrp="1"/>
+          </p:cNvSpPr>
+          <p:nvPr>
+            <p:ph idx="1"/>
+          </p:nvPr>
+        </p:nvSpPr>
+        <p:spPr/>
+        <p:txBody>
+          <a:bodyPr>
+            <a:normAutofit/>
+          </a:bodyPr>
+          <a:lstStyle/>
+          <a:p>
+            <a:pPr marL="0" indent="0" algn="ctr">
+              <a:buNone/>
+            </a:pPr>
+            <a:endParaRPr lang="en-US" sz="4400" dirty="0" smtClean="0"/>
+          </a:p>
+          <a:p>
+            <a:pPr marL="0" indent="0" algn="ctr">
+              <a:buNone/>
+            </a:pPr>
+            <a:endParaRPr lang="en-US" sz="4400" dirty="0"/>
+          </a:p>
+          <a:p>
+            <a:pPr marL="0" indent="0" algn="ctr">
+              <a:buNone/>
+            </a:pPr>
+            <a:r>
+              <a:rPr lang="en-US" sz="4400" dirty="0" smtClean="0"/>
               <a:t>Functions</a:t>
             </a:r>
-            <a:endParaRPr lang="en-US" dirty="0"/>
-          </a:p>
-        </p:txBody>
-      </p:sp>
-      <p:sp>
-        <p:nvSpPr>
-          <p:cNvPr id="3" name="Content Placeholder 2"/>
-          <p:cNvSpPr>
-            <a:spLocks noGrp="1"/>
-          </p:cNvSpPr>
-          <p:nvPr>
-            <p:ph idx="1"/>
-          </p:nvPr>
-        </p:nvSpPr>
-        <p:spPr/>
-        <p:txBody>
-          <a:bodyPr/>
-          <a:lstStyle/>
-          <a:p>
-            <a:endParaRPr lang="en-US"/>
+            <a:endParaRPr lang="en-US" sz="4400" dirty="0"/>
           </a:p>
         </p:txBody>
       </p:sp>
@@ -3881,10 +3953,6 @@
           <a:bodyPr/>
           <a:lstStyle/>
           <a:p>
-            <a:r>
-              <a:rPr lang="en-US" dirty="0" smtClean="0"/>
-              <a:t>High order functions</a:t>
-            </a:r>
             <a:endParaRPr lang="en-US" dirty="0"/>
           </a:p>
         </p:txBody>
@@ -3901,10 +3969,35 @@
         </p:nvSpPr>
         <p:spPr/>
         <p:txBody>
-          <a:bodyPr/>
-          <a:lstStyle/>
-          <a:p>
-            <a:endParaRPr lang="en-US"/>
+          <a:bodyPr>
+            <a:normAutofit/>
+          </a:bodyPr>
+          <a:lstStyle/>
+          <a:p>
+            <a:pPr marL="0" indent="0" algn="ctr">
+              <a:buNone/>
+            </a:pPr>
+            <a:endParaRPr lang="en-US" sz="4400" dirty="0" smtClean="0"/>
+          </a:p>
+          <a:p>
+            <a:pPr marL="0" indent="0" algn="ctr">
+              <a:buNone/>
+            </a:pPr>
+            <a:endParaRPr lang="en-US" sz="4400" dirty="0"/>
+          </a:p>
+          <a:p>
+            <a:pPr marL="0" indent="0" algn="ctr">
+              <a:buNone/>
+            </a:pPr>
+            <a:r>
+              <a:rPr lang="en-US" sz="4400" dirty="0" smtClean="0"/>
+              <a:t>High </a:t>
+            </a:r>
+            <a:r>
+              <a:rPr lang="en-US" sz="4400" dirty="0"/>
+              <a:t>order functions</a:t>
+            </a:r>
+            <a:endParaRPr lang="en-US" sz="4400" dirty="0"/>
           </a:p>
         </p:txBody>
       </p:sp>

--- a/ErlangIntro.pptx
+++ b/ErlangIntro.pptx
@@ -8,12 +8,15 @@
     <p:sldId id="256" r:id="rId2"/>
     <p:sldId id="266" r:id="rId3"/>
     <p:sldId id="264" r:id="rId4"/>
-    <p:sldId id="259" r:id="rId5"/>
-    <p:sldId id="258" r:id="rId6"/>
-    <p:sldId id="260" r:id="rId7"/>
-    <p:sldId id="261" r:id="rId8"/>
-    <p:sldId id="262" r:id="rId9"/>
-    <p:sldId id="263" r:id="rId10"/>
+    <p:sldId id="267" r:id="rId5"/>
+    <p:sldId id="268" r:id="rId6"/>
+    <p:sldId id="259" r:id="rId7"/>
+    <p:sldId id="258" r:id="rId8"/>
+    <p:sldId id="260" r:id="rId9"/>
+    <p:sldId id="261" r:id="rId10"/>
+    <p:sldId id="269" r:id="rId11"/>
+    <p:sldId id="262" r:id="rId12"/>
+    <p:sldId id="263" r:id="rId13"/>
   </p:sldIdLst>
   <p:sldSz cx="9144000" cy="6858000" type="screen4x3"/>
   <p:notesSz cx="6858000" cy="9144000"/>
@@ -296,7 +299,7 @@
           <a:p>
             <a:fld id="{6956168A-F7A3-4BBB-BD65-DF52C63DDC05}" type="datetimeFigureOut">
               <a:rPr lang="en-US" smtClean="0"/>
-              <a:t>10/28/2014</a:t>
+              <a:t>11/2/2014</a:t>
             </a:fld>
             <a:endParaRPr lang="en-US"/>
           </a:p>
@@ -466,7 +469,7 @@
           <a:p>
             <a:fld id="{6956168A-F7A3-4BBB-BD65-DF52C63DDC05}" type="datetimeFigureOut">
               <a:rPr lang="en-US" smtClean="0"/>
-              <a:t>10/28/2014</a:t>
+              <a:t>11/2/2014</a:t>
             </a:fld>
             <a:endParaRPr lang="en-US"/>
           </a:p>
@@ -646,7 +649,7 @@
           <a:p>
             <a:fld id="{6956168A-F7A3-4BBB-BD65-DF52C63DDC05}" type="datetimeFigureOut">
               <a:rPr lang="en-US" smtClean="0"/>
-              <a:t>10/28/2014</a:t>
+              <a:t>11/2/2014</a:t>
             </a:fld>
             <a:endParaRPr lang="en-US"/>
           </a:p>
@@ -816,7 +819,7 @@
           <a:p>
             <a:fld id="{6956168A-F7A3-4BBB-BD65-DF52C63DDC05}" type="datetimeFigureOut">
               <a:rPr lang="en-US" smtClean="0"/>
-              <a:t>10/28/2014</a:t>
+              <a:t>11/2/2014</a:t>
             </a:fld>
             <a:endParaRPr lang="en-US"/>
           </a:p>
@@ -1062,7 +1065,7 @@
           <a:p>
             <a:fld id="{6956168A-F7A3-4BBB-BD65-DF52C63DDC05}" type="datetimeFigureOut">
               <a:rPr lang="en-US" smtClean="0"/>
-              <a:t>10/28/2014</a:t>
+              <a:t>11/2/2014</a:t>
             </a:fld>
             <a:endParaRPr lang="en-US"/>
           </a:p>
@@ -1350,7 +1353,7 @@
           <a:p>
             <a:fld id="{6956168A-F7A3-4BBB-BD65-DF52C63DDC05}" type="datetimeFigureOut">
               <a:rPr lang="en-US" smtClean="0"/>
-              <a:t>10/28/2014</a:t>
+              <a:t>11/2/2014</a:t>
             </a:fld>
             <a:endParaRPr lang="en-US"/>
           </a:p>
@@ -1772,7 +1775,7 @@
           <a:p>
             <a:fld id="{6956168A-F7A3-4BBB-BD65-DF52C63DDC05}" type="datetimeFigureOut">
               <a:rPr lang="en-US" smtClean="0"/>
-              <a:t>10/28/2014</a:t>
+              <a:t>11/2/2014</a:t>
             </a:fld>
             <a:endParaRPr lang="en-US"/>
           </a:p>
@@ -1890,7 +1893,7 @@
           <a:p>
             <a:fld id="{6956168A-F7A3-4BBB-BD65-DF52C63DDC05}" type="datetimeFigureOut">
               <a:rPr lang="en-US" smtClean="0"/>
-              <a:t>10/28/2014</a:t>
+              <a:t>11/2/2014</a:t>
             </a:fld>
             <a:endParaRPr lang="en-US"/>
           </a:p>
@@ -1985,7 +1988,7 @@
           <a:p>
             <a:fld id="{6956168A-F7A3-4BBB-BD65-DF52C63DDC05}" type="datetimeFigureOut">
               <a:rPr lang="en-US" smtClean="0"/>
-              <a:t>10/28/2014</a:t>
+              <a:t>11/2/2014</a:t>
             </a:fld>
             <a:endParaRPr lang="en-US"/>
           </a:p>
@@ -2262,7 +2265,7 @@
           <a:p>
             <a:fld id="{6956168A-F7A3-4BBB-BD65-DF52C63DDC05}" type="datetimeFigureOut">
               <a:rPr lang="en-US" smtClean="0"/>
-              <a:t>10/28/2014</a:t>
+              <a:t>11/2/2014</a:t>
             </a:fld>
             <a:endParaRPr lang="en-US"/>
           </a:p>
@@ -2515,7 +2518,7 @@
           <a:p>
             <a:fld id="{6956168A-F7A3-4BBB-BD65-DF52C63DDC05}" type="datetimeFigureOut">
               <a:rPr lang="en-US" smtClean="0"/>
-              <a:t>10/28/2014</a:t>
+              <a:t>11/2/2014</a:t>
             </a:fld>
             <a:endParaRPr lang="en-US"/>
           </a:p>
@@ -2728,7 +2731,7 @@
           <a:p>
             <a:fld id="{6956168A-F7A3-4BBB-BD65-DF52C63DDC05}" type="datetimeFigureOut">
               <a:rPr lang="en-US" smtClean="0"/>
-              <a:t>10/28/2014</a:t>
+              <a:t>11/2/2014</a:t>
             </a:fld>
             <a:endParaRPr lang="en-US"/>
           </a:p>
@@ -3169,6 +3172,290 @@
 </p:sld>
 </file>
 
+<file path=ppt/slides/slide10.xml><?xml version="1.0" encoding="utf-8"?>
+<p:sld xmlns:a="http://schemas.openxmlformats.org/drawingml/2006/main" xmlns:r="http://schemas.openxmlformats.org/officeDocument/2006/relationships" xmlns:p="http://schemas.openxmlformats.org/presentationml/2006/main">
+  <p:cSld>
+    <p:spTree>
+      <p:nvGrpSpPr>
+        <p:cNvPr id="1" name=""/>
+        <p:cNvGrpSpPr/>
+        <p:nvPr/>
+      </p:nvGrpSpPr>
+      <p:grpSpPr>
+        <a:xfrm>
+          <a:off x="0" y="0"/>
+          <a:ext cx="0" cy="0"/>
+          <a:chOff x="0" y="0"/>
+          <a:chExt cx="0" cy="0"/>
+        </a:xfrm>
+      </p:grpSpPr>
+      <p:sp>
+        <p:nvSpPr>
+          <p:cNvPr id="2" name="Title 1"/>
+          <p:cNvSpPr>
+            <a:spLocks noGrp="1"/>
+          </p:cNvSpPr>
+          <p:nvPr>
+            <p:ph type="title"/>
+          </p:nvPr>
+        </p:nvSpPr>
+        <p:spPr/>
+        <p:txBody>
+          <a:bodyPr/>
+          <a:lstStyle/>
+          <a:p>
+            <a:endParaRPr lang="en-US"/>
+          </a:p>
+        </p:txBody>
+      </p:sp>
+      <p:sp>
+        <p:nvSpPr>
+          <p:cNvPr id="3" name="Content Placeholder 2"/>
+          <p:cNvSpPr>
+            <a:spLocks noGrp="1"/>
+          </p:cNvSpPr>
+          <p:nvPr>
+            <p:ph idx="1"/>
+          </p:nvPr>
+        </p:nvSpPr>
+        <p:spPr/>
+        <p:txBody>
+          <a:bodyPr>
+            <a:normAutofit/>
+          </a:bodyPr>
+          <a:lstStyle/>
+          <a:p>
+            <a:pPr marL="0" indent="0" algn="ctr">
+              <a:buNone/>
+            </a:pPr>
+            <a:endParaRPr lang="en-US" sz="4000" dirty="0" smtClean="0"/>
+          </a:p>
+          <a:p>
+            <a:pPr marL="0" indent="0" algn="ctr">
+              <a:buNone/>
+            </a:pPr>
+            <a:endParaRPr lang="en-US" sz="4000" dirty="0"/>
+          </a:p>
+          <a:p>
+            <a:pPr marL="0" indent="0" algn="ctr">
+              <a:buNone/>
+            </a:pPr>
+            <a:r>
+              <a:rPr lang="en-US" sz="4000" dirty="0" smtClean="0"/>
+              <a:t>6. Threads and Actors</a:t>
+            </a:r>
+            <a:endParaRPr lang="en-US" sz="4000" dirty="0"/>
+          </a:p>
+        </p:txBody>
+      </p:sp>
+    </p:spTree>
+    <p:extLst>
+      <p:ext uri="{BB962C8B-B14F-4D97-AF65-F5344CB8AC3E}">
+        <p14:creationId xmlns:p14="http://schemas.microsoft.com/office/powerpoint/2010/main" val="2144367376"/>
+      </p:ext>
+    </p:extLst>
+  </p:cSld>
+  <p:clrMapOvr>
+    <a:masterClrMapping/>
+  </p:clrMapOvr>
+</p:sld>
+</file>
+
+<file path=ppt/slides/slide11.xml><?xml version="1.0" encoding="utf-8"?>
+<p:sld xmlns:a="http://schemas.openxmlformats.org/drawingml/2006/main" xmlns:r="http://schemas.openxmlformats.org/officeDocument/2006/relationships" xmlns:p="http://schemas.openxmlformats.org/presentationml/2006/main">
+  <p:cSld>
+    <p:spTree>
+      <p:nvGrpSpPr>
+        <p:cNvPr id="1" name=""/>
+        <p:cNvGrpSpPr/>
+        <p:nvPr/>
+      </p:nvGrpSpPr>
+      <p:grpSpPr>
+        <a:xfrm>
+          <a:off x="0" y="0"/>
+          <a:ext cx="0" cy="0"/>
+          <a:chOff x="0" y="0"/>
+          <a:chExt cx="0" cy="0"/>
+        </a:xfrm>
+      </p:grpSpPr>
+      <p:sp>
+        <p:nvSpPr>
+          <p:cNvPr id="2" name="Title 1"/>
+          <p:cNvSpPr>
+            <a:spLocks noGrp="1"/>
+          </p:cNvSpPr>
+          <p:nvPr>
+            <p:ph type="title"/>
+          </p:nvPr>
+        </p:nvSpPr>
+        <p:spPr/>
+        <p:txBody>
+          <a:bodyPr/>
+          <a:lstStyle/>
+          <a:p>
+            <a:endParaRPr lang="en-US" dirty="0"/>
+          </a:p>
+        </p:txBody>
+      </p:sp>
+      <p:sp>
+        <p:nvSpPr>
+          <p:cNvPr id="3" name="Content Placeholder 2"/>
+          <p:cNvSpPr>
+            <a:spLocks noGrp="1"/>
+          </p:cNvSpPr>
+          <p:nvPr>
+            <p:ph idx="1"/>
+          </p:nvPr>
+        </p:nvSpPr>
+        <p:spPr/>
+        <p:txBody>
+          <a:bodyPr>
+            <a:normAutofit/>
+          </a:bodyPr>
+          <a:lstStyle/>
+          <a:p>
+            <a:pPr marL="0" indent="0" algn="ctr">
+              <a:buNone/>
+            </a:pPr>
+            <a:endParaRPr lang="en-US" sz="4400" dirty="0" smtClean="0"/>
+          </a:p>
+          <a:p>
+            <a:pPr marL="0" indent="0" algn="ctr">
+              <a:buNone/>
+            </a:pPr>
+            <a:endParaRPr lang="en-US" sz="4400" dirty="0"/>
+          </a:p>
+          <a:p>
+            <a:pPr marL="0" indent="0" algn="ctr">
+              <a:buNone/>
+            </a:pPr>
+            <a:r>
+              <a:rPr lang="en-US" sz="4400" dirty="0" smtClean="0"/>
+              <a:t>7. Functions</a:t>
+            </a:r>
+            <a:endParaRPr lang="en-US" sz="4400" dirty="0"/>
+          </a:p>
+        </p:txBody>
+      </p:sp>
+    </p:spTree>
+    <p:extLst>
+      <p:ext uri="{BB962C8B-B14F-4D97-AF65-F5344CB8AC3E}">
+        <p14:creationId xmlns:p14="http://schemas.microsoft.com/office/powerpoint/2010/main" val="1957578262"/>
+      </p:ext>
+    </p:extLst>
+  </p:cSld>
+  <p:clrMapOvr>
+    <a:masterClrMapping/>
+  </p:clrMapOvr>
+  <p:timing>
+    <p:tnLst>
+      <p:par>
+        <p:cTn id="1" dur="indefinite" restart="never" nodeType="tmRoot"/>
+      </p:par>
+    </p:tnLst>
+  </p:timing>
+</p:sld>
+</file>
+
+<file path=ppt/slides/slide12.xml><?xml version="1.0" encoding="utf-8"?>
+<p:sld xmlns:a="http://schemas.openxmlformats.org/drawingml/2006/main" xmlns:r="http://schemas.openxmlformats.org/officeDocument/2006/relationships" xmlns:p="http://schemas.openxmlformats.org/presentationml/2006/main">
+  <p:cSld>
+    <p:spTree>
+      <p:nvGrpSpPr>
+        <p:cNvPr id="1" name=""/>
+        <p:cNvGrpSpPr/>
+        <p:nvPr/>
+      </p:nvGrpSpPr>
+      <p:grpSpPr>
+        <a:xfrm>
+          <a:off x="0" y="0"/>
+          <a:ext cx="0" cy="0"/>
+          <a:chOff x="0" y="0"/>
+          <a:chExt cx="0" cy="0"/>
+        </a:xfrm>
+      </p:grpSpPr>
+      <p:sp>
+        <p:nvSpPr>
+          <p:cNvPr id="2" name="Title 1"/>
+          <p:cNvSpPr>
+            <a:spLocks noGrp="1"/>
+          </p:cNvSpPr>
+          <p:nvPr>
+            <p:ph type="title"/>
+          </p:nvPr>
+        </p:nvSpPr>
+        <p:spPr/>
+        <p:txBody>
+          <a:bodyPr/>
+          <a:lstStyle/>
+          <a:p>
+            <a:endParaRPr lang="en-US" dirty="0"/>
+          </a:p>
+        </p:txBody>
+      </p:sp>
+      <p:sp>
+        <p:nvSpPr>
+          <p:cNvPr id="3" name="Content Placeholder 2"/>
+          <p:cNvSpPr>
+            <a:spLocks noGrp="1"/>
+          </p:cNvSpPr>
+          <p:nvPr>
+            <p:ph idx="1"/>
+          </p:nvPr>
+        </p:nvSpPr>
+        <p:spPr/>
+        <p:txBody>
+          <a:bodyPr>
+            <a:normAutofit/>
+          </a:bodyPr>
+          <a:lstStyle/>
+          <a:p>
+            <a:pPr marL="0" indent="0" algn="ctr">
+              <a:buNone/>
+            </a:pPr>
+            <a:endParaRPr lang="en-US" sz="4400" dirty="0" smtClean="0"/>
+          </a:p>
+          <a:p>
+            <a:pPr marL="0" indent="0" algn="ctr">
+              <a:buNone/>
+            </a:pPr>
+            <a:endParaRPr lang="en-US" sz="4400" dirty="0"/>
+          </a:p>
+          <a:p>
+            <a:pPr marL="0" indent="0" algn="ctr">
+              <a:buNone/>
+            </a:pPr>
+            <a:r>
+              <a:rPr lang="en-US" sz="4400" smtClean="0"/>
+              <a:t>8. High </a:t>
+            </a:r>
+            <a:r>
+              <a:rPr lang="en-US" sz="4400" dirty="0"/>
+              <a:t>order functions</a:t>
+            </a:r>
+          </a:p>
+        </p:txBody>
+      </p:sp>
+    </p:spTree>
+    <p:extLst>
+      <p:ext uri="{BB962C8B-B14F-4D97-AF65-F5344CB8AC3E}">
+        <p14:creationId xmlns:p14="http://schemas.microsoft.com/office/powerpoint/2010/main" val="19850599"/>
+      </p:ext>
+    </p:extLst>
+  </p:cSld>
+  <p:clrMapOvr>
+    <a:masterClrMapping/>
+  </p:clrMapOvr>
+  <p:timing>
+    <p:tnLst>
+      <p:par>
+        <p:cTn id="1" dur="indefinite" restart="never" nodeType="tmRoot"/>
+      </p:par>
+    </p:tnLst>
+  </p:timing>
+</p:sld>
+</file>
+
 <file path=ppt/slides/slide2.xml><?xml version="1.0" encoding="utf-8"?>
 <p:sld xmlns:a="http://schemas.openxmlformats.org/drawingml/2006/main" xmlns:r="http://schemas.openxmlformats.org/officeDocument/2006/relationships" xmlns:p="http://schemas.openxmlformats.org/presentationml/2006/main">
   <p:cSld>
@@ -3404,70 +3691,192 @@
           <a:bodyPr/>
           <a:lstStyle/>
           <a:p>
-            <a:r>
-              <a:rPr lang="en-US" dirty="0" err="1" smtClean="0"/>
+            <a:endParaRPr lang="en-US"/>
+          </a:p>
+        </p:txBody>
+      </p:sp>
+      <p:sp>
+        <p:nvSpPr>
+          <p:cNvPr id="3" name="Content Placeholder 2"/>
+          <p:cNvSpPr>
+            <a:spLocks noGrp="1"/>
+          </p:cNvSpPr>
+          <p:nvPr>
+            <p:ph idx="1"/>
+          </p:nvPr>
+        </p:nvSpPr>
+        <p:spPr>
+          <a:xfrm>
+            <a:off x="457200" y="692696"/>
+            <a:ext cx="8229600" cy="5433467"/>
+          </a:xfrm>
+        </p:spPr>
+        <p:txBody>
+          <a:bodyPr>
+            <a:normAutofit fontScale="25000" lnSpcReduction="20000"/>
+          </a:bodyPr>
+          <a:lstStyle/>
+          <a:p>
+            <a:pPr marL="0" indent="0">
+              <a:buNone/>
+            </a:pPr>
+            <a:r>
+              <a:rPr lang="en-US" sz="8000" b="1" dirty="0" smtClean="0"/>
+              <a:t>Database</a:t>
+            </a:r>
+            <a:r>
+              <a:rPr lang="en-US" sz="8000" dirty="0" smtClean="0"/>
+              <a:t>:</a:t>
+            </a:r>
+            <a:endParaRPr lang="en-US" sz="8000" dirty="0"/>
+          </a:p>
+          <a:p>
+            <a:pPr marL="0" indent="0">
+              <a:buNone/>
+            </a:pPr>
+            <a:r>
+              <a:rPr lang="en-US" sz="8000" dirty="0" err="1"/>
+              <a:t>CouchDB</a:t>
+            </a:r>
+            <a:r>
+              <a:rPr lang="en-US" sz="8000" dirty="0"/>
+              <a:t>, a document-based database that uses </a:t>
+            </a:r>
+            <a:r>
+              <a:rPr lang="en-US" sz="8000" dirty="0" err="1"/>
+              <a:t>MapReduce</a:t>
+            </a:r>
+            <a:endParaRPr lang="en-US" sz="8000" dirty="0"/>
+          </a:p>
+          <a:p>
+            <a:pPr marL="0" indent="0">
+              <a:buNone/>
+            </a:pPr>
+            <a:r>
+              <a:rPr lang="en-US" sz="8000" b="1" dirty="0" smtClean="0"/>
+              <a:t>Chat</a:t>
+            </a:r>
+            <a:r>
+              <a:rPr lang="en-US" sz="8000" b="1" dirty="0"/>
+              <a:t>:</a:t>
+            </a:r>
+          </a:p>
+          <a:p>
+            <a:pPr marL="0" indent="0">
+              <a:buNone/>
+            </a:pPr>
+            <a:r>
+              <a:rPr lang="en-US" sz="8000" dirty="0" err="1"/>
+              <a:t>ejabberd</a:t>
+            </a:r>
+            <a:r>
+              <a:rPr lang="en-US" sz="8000" dirty="0"/>
+              <a:t>, an Extensible Messaging and Presence Protocol (XMPP) instant messaging server</a:t>
+            </a:r>
+          </a:p>
+          <a:p>
+            <a:pPr marL="0" indent="0">
+              <a:buNone/>
+            </a:pPr>
+            <a:r>
+              <a:rPr lang="en-US" sz="8000" dirty="0"/>
+              <a:t>Facebook Chat system was running on </a:t>
+            </a:r>
+            <a:r>
+              <a:rPr lang="en-US" sz="8000" dirty="0" err="1"/>
+              <a:t>ejabberd</a:t>
+            </a:r>
+            <a:r>
+              <a:rPr lang="en-US" sz="8000" dirty="0"/>
+              <a:t> based servers</a:t>
+            </a:r>
+          </a:p>
+          <a:p>
+            <a:pPr marL="0" indent="0">
+              <a:buNone/>
+            </a:pPr>
+            <a:r>
+              <a:rPr lang="en-US" sz="8000" b="1" dirty="0" smtClean="0"/>
+              <a:t>Queue</a:t>
+            </a:r>
+            <a:r>
+              <a:rPr lang="en-US" sz="8000" dirty="0"/>
+              <a:t>:</a:t>
+            </a:r>
+          </a:p>
+          <a:p>
+            <a:pPr marL="0" indent="0">
+              <a:buNone/>
+            </a:pPr>
+            <a:r>
+              <a:rPr lang="en-US" sz="8000" dirty="0" err="1"/>
+              <a:t>RabbitMQ</a:t>
+            </a:r>
+            <a:r>
+              <a:rPr lang="en-US" sz="8000" dirty="0"/>
+              <a:t>, an implementation of Advanced Message Queuing Protocol (AMQP)</a:t>
+            </a:r>
+          </a:p>
+          <a:p>
+            <a:pPr marL="0" indent="0">
+              <a:buNone/>
+            </a:pPr>
+            <a:r>
+              <a:rPr lang="en-US" sz="8000" b="1" dirty="0" smtClean="0"/>
+              <a:t>Tools:</a:t>
+            </a:r>
+            <a:endParaRPr lang="en-US" sz="8000" b="1" dirty="0"/>
+          </a:p>
+          <a:p>
+            <a:pPr marL="0" indent="0">
+              <a:buNone/>
+            </a:pPr>
+            <a:r>
+              <a:rPr lang="en-US" sz="8000" dirty="0" err="1"/>
+              <a:t>GitHub</a:t>
+            </a:r>
+            <a:r>
+              <a:rPr lang="en-US" sz="8000" dirty="0"/>
+              <a:t>, a web-based hosting service for software development projects that use the </a:t>
+            </a:r>
+            <a:r>
+              <a:rPr lang="en-US" sz="8000" dirty="0" err="1"/>
+              <a:t>Git</a:t>
+            </a:r>
+            <a:r>
+              <a:rPr lang="en-US" sz="8000" dirty="0"/>
+              <a:t> version control system. </a:t>
+            </a:r>
+            <a:r>
+              <a:rPr lang="en-US" sz="8000" dirty="0" err="1"/>
               <a:t>Erlang</a:t>
             </a:r>
             <a:r>
-              <a:rPr lang="en-US" dirty="0" smtClean="0"/>
-              <a:t> “Hello guys!”</a:t>
-            </a:r>
-            <a:endParaRPr lang="en-US" dirty="0"/>
-          </a:p>
-        </p:txBody>
-      </p:sp>
-      <p:sp>
-        <p:nvSpPr>
-          <p:cNvPr id="3" name="Content Placeholder 2"/>
-          <p:cNvSpPr>
-            <a:spLocks noGrp="1"/>
-          </p:cNvSpPr>
-          <p:nvPr>
-            <p:ph idx="1"/>
-          </p:nvPr>
-        </p:nvSpPr>
-        <p:spPr/>
-        <p:txBody>
-          <a:bodyPr/>
-          <a:lstStyle/>
-          <a:p>
-            <a:r>
-              <a:rPr lang="en-US" dirty="0" smtClean="0"/>
-              <a:t>“Hello guys” on </a:t>
-            </a:r>
-            <a:r>
-              <a:rPr lang="en-US" dirty="0" err="1" smtClean="0"/>
-              <a:t>Erlang</a:t>
-            </a:r>
-            <a:endParaRPr lang="en-US" dirty="0" smtClean="0"/>
-          </a:p>
-          <a:p>
-            <a:endParaRPr lang="en-US" dirty="0"/>
+              <a:rPr lang="en-US" sz="8000" dirty="0"/>
+              <a:t> is used for RPC proxies to ruby processes.</a:t>
+            </a:r>
           </a:p>
           <a:p>
             <a:pPr marL="0" indent="0">
               <a:buNone/>
             </a:pPr>
             <a:r>
-              <a:rPr lang="en-US" dirty="0"/>
-              <a:t>-module(</a:t>
-            </a:r>
-            <a:r>
-              <a:rPr lang="en-US" dirty="0" err="1"/>
-              <a:t>hello_world</a:t>
-            </a:r>
-            <a:r>
-              <a:rPr lang="en-US" dirty="0"/>
-              <a:t>).</a:t>
-            </a:r>
+              <a:rPr lang="en-US" sz="8000" b="1" dirty="0" smtClean="0"/>
+              <a:t>Trading:</a:t>
+            </a:r>
+            <a:endParaRPr lang="en-US" sz="8000" b="1" dirty="0"/>
           </a:p>
           <a:p>
             <a:pPr marL="0" indent="0">
               <a:buNone/>
             </a:pPr>
             <a:r>
-              <a:rPr lang="en-US" dirty="0"/>
-              <a:t>-export([f1/0]).</a:t>
+              <a:rPr lang="en-US" sz="8000" dirty="0"/>
+              <a:t>Goldman Sachs, high-frequency trading </a:t>
+            </a:r>
+            <a:r>
+              <a:rPr lang="en-US" sz="8000" dirty="0" smtClean="0"/>
+              <a:t>programs</a:t>
             </a:r>
           </a:p>
           <a:p>
@@ -3475,8 +3884,12 @@
               <a:buNone/>
             </a:pPr>
             <a:r>
-              <a:rPr lang="en-US" dirty="0"/>
-              <a:t>f1()-&gt;</a:t>
+              <a:rPr lang="en-US" sz="8000" b="1" dirty="0" smtClean="0"/>
+              <a:t>Gaming</a:t>
+            </a:r>
+            <a:r>
+              <a:rPr lang="en-US" sz="8000" b="1" dirty="0"/>
+              <a:t>:</a:t>
             </a:r>
           </a:p>
           <a:p>
@@ -3484,17 +3897,11 @@
               <a:buNone/>
             </a:pPr>
             <a:r>
-              <a:rPr lang="it-IT" dirty="0" smtClean="0"/>
-              <a:t>	io:format</a:t>
-            </a:r>
-            <a:r>
-              <a:rPr lang="it-IT" dirty="0"/>
-              <a:t>("hello ibm guys </a:t>
-            </a:r>
-            <a:r>
-              <a:rPr lang="it-IT" dirty="0" smtClean="0"/>
-              <a:t>! ").</a:t>
-            </a:r>
+              <a:rPr lang="en-US" sz="8000" dirty="0"/>
+              <a:t>Call of Duty server core</a:t>
+            </a:r>
+          </a:p>
+          <a:p>
             <a:endParaRPr lang="en-US" dirty="0"/>
           </a:p>
         </p:txBody>
@@ -3502,20 +3909,13 @@
     </p:spTree>
     <p:extLst>
       <p:ext uri="{BB962C8B-B14F-4D97-AF65-F5344CB8AC3E}">
-        <p14:creationId xmlns:p14="http://schemas.microsoft.com/office/powerpoint/2010/main" val="1903038109"/>
+        <p14:creationId xmlns:p14="http://schemas.microsoft.com/office/powerpoint/2010/main" val="2668142767"/>
       </p:ext>
     </p:extLst>
   </p:cSld>
   <p:clrMapOvr>
     <a:masterClrMapping/>
   </p:clrMapOvr>
-  <p:timing>
-    <p:tnLst>
-      <p:par>
-        <p:cTn id="1" dur="indefinite" restart="never" nodeType="tmRoot"/>
-      </p:par>
-    </p:tnLst>
-  </p:timing>
 </p:sld>
 </file>
 
@@ -3551,15 +3951,7 @@
           <a:bodyPr/>
           <a:lstStyle/>
           <a:p>
-            <a:r>
-              <a:rPr lang="en-US" dirty="0" err="1" smtClean="0"/>
-              <a:t>Erlang</a:t>
-            </a:r>
-            <a:r>
-              <a:rPr lang="en-US" dirty="0" smtClean="0"/>
-              <a:t> data types</a:t>
-            </a:r>
-            <a:endParaRPr lang="en-US" dirty="0"/>
+            <a:endParaRPr lang="en-US"/>
           </a:p>
         </p:txBody>
       </p:sp>
@@ -3575,59 +3967,52 @@
         </p:nvSpPr>
         <p:spPr/>
         <p:txBody>
-          <a:bodyPr/>
-          <a:lstStyle/>
-          <a:p>
-            <a:endParaRPr lang="en-US" dirty="0" smtClean="0"/>
-          </a:p>
-          <a:p>
-            <a:endParaRPr lang="en-US" dirty="0"/>
-          </a:p>
-          <a:p>
-            <a:r>
-              <a:rPr lang="en-US" dirty="0" smtClean="0"/>
-              <a:t>Variables</a:t>
-            </a:r>
-            <a:endParaRPr lang="en-US" dirty="0" smtClean="0"/>
-          </a:p>
-          <a:p>
-            <a:r>
-              <a:rPr lang="en-US" dirty="0" smtClean="0"/>
-              <a:t>Atoms</a:t>
-            </a:r>
-          </a:p>
-          <a:p>
-            <a:r>
-              <a:rPr lang="en-US" dirty="0" smtClean="0"/>
-              <a:t>Lists</a:t>
-            </a:r>
-          </a:p>
-          <a:p>
-            <a:r>
-              <a:rPr lang="en-US" dirty="0" smtClean="0"/>
-              <a:t>Tuples</a:t>
-            </a:r>
-            <a:endParaRPr lang="en-US" dirty="0"/>
+          <a:bodyPr>
+            <a:normAutofit/>
+          </a:bodyPr>
+          <a:lstStyle/>
+          <a:p>
+            <a:pPr marL="0" indent="0" algn="ctr">
+              <a:buNone/>
+            </a:pPr>
+            <a:endParaRPr lang="en-US" sz="4000" b="1" dirty="0" smtClean="0"/>
+          </a:p>
+          <a:p>
+            <a:pPr marL="0" indent="0" algn="ctr">
+              <a:buNone/>
+            </a:pPr>
+            <a:endParaRPr lang="en-US" sz="4000" b="1" dirty="0"/>
+          </a:p>
+          <a:p>
+            <a:pPr marL="0" indent="0" algn="ctr">
+              <a:buNone/>
+            </a:pPr>
+            <a:r>
+              <a:rPr lang="en-US" sz="4000" b="1" dirty="0" smtClean="0"/>
+              <a:t>1. Kung </a:t>
+            </a:r>
+            <a:r>
+              <a:rPr lang="en-US" sz="4000" b="1" dirty="0"/>
+              <a:t>F</a:t>
+            </a:r>
+            <a:r>
+              <a:rPr lang="en-US" sz="4000" b="1" dirty="0" smtClean="0"/>
+              <a:t>u effect!</a:t>
+            </a:r>
+            <a:endParaRPr lang="en-US" sz="4000" b="1" dirty="0"/>
           </a:p>
         </p:txBody>
       </p:sp>
     </p:spTree>
     <p:extLst>
       <p:ext uri="{BB962C8B-B14F-4D97-AF65-F5344CB8AC3E}">
-        <p14:creationId xmlns:p14="http://schemas.microsoft.com/office/powerpoint/2010/main" val="1054694142"/>
+        <p14:creationId xmlns:p14="http://schemas.microsoft.com/office/powerpoint/2010/main" val="794406734"/>
       </p:ext>
     </p:extLst>
   </p:cSld>
   <p:clrMapOvr>
     <a:masterClrMapping/>
   </p:clrMapOvr>
-  <p:timing>
-    <p:tnLst>
-      <p:par>
-        <p:cTn id="1" dur="indefinite" restart="never" nodeType="tmRoot"/>
-      </p:par>
-    </p:tnLst>
-  </p:timing>
 </p:sld>
 </file>
 
@@ -3663,6 +4048,22 @@
           <a:bodyPr/>
           <a:lstStyle/>
           <a:p>
+            <a:r>
+              <a:rPr lang="en-US" dirty="0" smtClean="0"/>
+              <a:t>2. </a:t>
+            </a:r>
+            <a:r>
+              <a:rPr lang="en-US" dirty="0" err="1" smtClean="0"/>
+              <a:t>Erlang</a:t>
+            </a:r>
+            <a:r>
+              <a:rPr lang="en-US" dirty="0" smtClean="0"/>
+              <a:t> </a:t>
+            </a:r>
+            <a:r>
+              <a:rPr lang="en-US" dirty="0" smtClean="0"/>
+              <a:t>“Hello guys!”</a:t>
+            </a:r>
             <a:endParaRPr lang="en-US" dirty="0"/>
           </a:p>
         </p:txBody>
@@ -3682,37 +4083,78 @@
           <a:bodyPr/>
           <a:lstStyle/>
           <a:p>
-            <a:pPr marL="0" indent="0" algn="ctr">
+            <a:r>
+              <a:rPr lang="en-US" dirty="0" smtClean="0"/>
+              <a:t>“Hello guys” on </a:t>
+            </a:r>
+            <a:r>
+              <a:rPr lang="en-US" dirty="0" err="1" smtClean="0"/>
+              <a:t>Erlang</a:t>
+            </a:r>
+            <a:endParaRPr lang="en-US" dirty="0" smtClean="0"/>
+          </a:p>
+          <a:p>
+            <a:endParaRPr lang="en-US" dirty="0"/>
+          </a:p>
+          <a:p>
+            <a:pPr marL="0" indent="0">
               <a:buNone/>
             </a:pPr>
-            <a:endParaRPr lang="en-US" dirty="0" smtClean="0"/>
-          </a:p>
-          <a:p>
-            <a:pPr marL="0" indent="0" algn="ctr">
+            <a:r>
+              <a:rPr lang="en-US" dirty="0"/>
+              <a:t>-module(</a:t>
+            </a:r>
+            <a:r>
+              <a:rPr lang="en-US" dirty="0" err="1"/>
+              <a:t>hello_world</a:t>
+            </a:r>
+            <a:r>
+              <a:rPr lang="en-US" dirty="0"/>
+              <a:t>).</a:t>
+            </a:r>
+          </a:p>
+          <a:p>
+            <a:pPr marL="0" indent="0">
               <a:buNone/>
             </a:pPr>
+            <a:r>
+              <a:rPr lang="en-US" dirty="0"/>
+              <a:t>-export([f1/0]).</a:t>
+            </a:r>
+          </a:p>
+          <a:p>
+            <a:pPr marL="0" indent="0">
+              <a:buNone/>
+            </a:pPr>
+            <a:r>
+              <a:rPr lang="en-US" dirty="0"/>
+              <a:t>f1()-&gt;</a:t>
+            </a:r>
+          </a:p>
+          <a:p>
+            <a:pPr marL="0" indent="0">
+              <a:buNone/>
+            </a:pPr>
+            <a:r>
+              <a:rPr lang="it-IT" dirty="0" smtClean="0"/>
+              <a:t>	io:format</a:t>
+            </a:r>
+            <a:r>
+              <a:rPr lang="it-IT" dirty="0"/>
+              <a:t>("hello ibm guys </a:t>
+            </a:r>
+            <a:r>
+              <a:rPr lang="it-IT" dirty="0" smtClean="0"/>
+              <a:t>! ").</a:t>
+            </a:r>
             <a:endParaRPr lang="en-US" dirty="0"/>
-          </a:p>
-          <a:p>
-            <a:pPr marL="0" indent="0" algn="ctr">
-              <a:buNone/>
-            </a:pPr>
-            <a:r>
-              <a:rPr lang="en-US" sz="4400" dirty="0" smtClean="0"/>
-              <a:t>Pattern </a:t>
-            </a:r>
-            <a:r>
-              <a:rPr lang="en-US" sz="4400" dirty="0"/>
-              <a:t>matching</a:t>
-            </a:r>
-            <a:endParaRPr lang="en-US" sz="4400" dirty="0"/>
           </a:p>
         </p:txBody>
       </p:sp>
     </p:spTree>
     <p:extLst>
       <p:ext uri="{BB962C8B-B14F-4D97-AF65-F5344CB8AC3E}">
-        <p14:creationId xmlns:p14="http://schemas.microsoft.com/office/powerpoint/2010/main" val="819661876"/>
+        <p14:creationId xmlns:p14="http://schemas.microsoft.com/office/powerpoint/2010/main" val="1903038109"/>
       </p:ext>
     </p:extLst>
   </p:cSld>
@@ -3761,6 +4203,22 @@
           <a:bodyPr/>
           <a:lstStyle/>
           <a:p>
+            <a:r>
+              <a:rPr lang="en-US" dirty="0" smtClean="0"/>
+              <a:t>3. </a:t>
+            </a:r>
+            <a:r>
+              <a:rPr lang="en-US" dirty="0" err="1" smtClean="0"/>
+              <a:t>Erlang</a:t>
+            </a:r>
+            <a:r>
+              <a:rPr lang="en-US" dirty="0" smtClean="0"/>
+              <a:t> </a:t>
+            </a:r>
+            <a:r>
+              <a:rPr lang="en-US" dirty="0" smtClean="0"/>
+              <a:t>data types</a:t>
+            </a:r>
             <a:endParaRPr lang="en-US" dirty="0"/>
           </a:p>
         </p:txBody>
@@ -3777,38 +4235,49 @@
         </p:nvSpPr>
         <p:spPr/>
         <p:txBody>
-          <a:bodyPr>
-            <a:normAutofit/>
-          </a:bodyPr>
-          <a:lstStyle/>
-          <a:p>
-            <a:pPr marL="0" indent="0" algn="ctr">
-              <a:buNone/>
-            </a:pPr>
-            <a:endParaRPr lang="en-US" sz="4400" dirty="0" smtClean="0"/>
-          </a:p>
-          <a:p>
-            <a:pPr marL="0" indent="0" algn="ctr">
-              <a:buNone/>
-            </a:pPr>
-            <a:endParaRPr lang="en-US" sz="4400" dirty="0"/>
-          </a:p>
-          <a:p>
-            <a:pPr marL="0" indent="0" algn="ctr">
-              <a:buNone/>
-            </a:pPr>
-            <a:r>
-              <a:rPr lang="en-US" sz="4400" dirty="0" smtClean="0"/>
-              <a:t>Recursion</a:t>
-            </a:r>
-            <a:endParaRPr lang="en-US" sz="4400" dirty="0"/>
+          <a:bodyPr/>
+          <a:lstStyle/>
+          <a:p>
+            <a:endParaRPr lang="en-US" dirty="0"/>
+          </a:p>
+          <a:p>
+            <a:r>
+              <a:rPr lang="en-US" dirty="0" smtClean="0"/>
+              <a:t>Numbers</a:t>
+            </a:r>
+            <a:endParaRPr lang="en-US" dirty="0" smtClean="0"/>
+          </a:p>
+          <a:p>
+            <a:r>
+              <a:rPr lang="en-US" dirty="0" smtClean="0"/>
+              <a:t>Atoms</a:t>
+            </a:r>
+          </a:p>
+          <a:p>
+            <a:r>
+              <a:rPr lang="en-US" dirty="0" smtClean="0"/>
+              <a:t>Lists</a:t>
+            </a:r>
+          </a:p>
+          <a:p>
+            <a:r>
+              <a:rPr lang="en-US" dirty="0" smtClean="0"/>
+              <a:t>Tuples</a:t>
+            </a:r>
+          </a:p>
+          <a:p>
+            <a:r>
+              <a:rPr lang="en-US" dirty="0" smtClean="0"/>
+              <a:t>Records</a:t>
+            </a:r>
+            <a:endParaRPr lang="en-US" dirty="0"/>
           </a:p>
         </p:txBody>
       </p:sp>
     </p:spTree>
     <p:extLst>
       <p:ext uri="{BB962C8B-B14F-4D97-AF65-F5344CB8AC3E}">
-        <p14:creationId xmlns:p14="http://schemas.microsoft.com/office/powerpoint/2010/main" val="1667088247"/>
+        <p14:creationId xmlns:p14="http://schemas.microsoft.com/office/powerpoint/2010/main" val="1054694142"/>
       </p:ext>
     </p:extLst>
   </p:cSld>
@@ -3873,21 +4342,19 @@
         </p:nvSpPr>
         <p:spPr/>
         <p:txBody>
-          <a:bodyPr>
-            <a:normAutofit/>
-          </a:bodyPr>
+          <a:bodyPr/>
           <a:lstStyle/>
           <a:p>
             <a:pPr marL="0" indent="0" algn="ctr">
               <a:buNone/>
             </a:pPr>
-            <a:endParaRPr lang="en-US" sz="4400" dirty="0" smtClean="0"/>
+            <a:endParaRPr lang="en-US" dirty="0" smtClean="0"/>
           </a:p>
           <a:p>
             <a:pPr marL="0" indent="0" algn="ctr">
               <a:buNone/>
             </a:pPr>
-            <a:endParaRPr lang="en-US" sz="4400" dirty="0"/>
+            <a:endParaRPr lang="en-US" dirty="0"/>
           </a:p>
           <a:p>
             <a:pPr marL="0" indent="0" algn="ctr">
@@ -3895,16 +4362,19 @@
             </a:pPr>
             <a:r>
               <a:rPr lang="en-US" sz="4400" dirty="0" smtClean="0"/>
-              <a:t>Functions</a:t>
-            </a:r>
-            <a:endParaRPr lang="en-US" sz="4400" dirty="0"/>
+              <a:t>4. Pattern </a:t>
+            </a:r>
+            <a:r>
+              <a:rPr lang="en-US" sz="4400" dirty="0"/>
+              <a:t>matching</a:t>
+            </a:r>
           </a:p>
         </p:txBody>
       </p:sp>
     </p:spTree>
     <p:extLst>
       <p:ext uri="{BB962C8B-B14F-4D97-AF65-F5344CB8AC3E}">
-        <p14:creationId xmlns:p14="http://schemas.microsoft.com/office/powerpoint/2010/main" val="1957578262"/>
+        <p14:creationId xmlns:p14="http://schemas.microsoft.com/office/powerpoint/2010/main" val="819661876"/>
       </p:ext>
     </p:extLst>
   </p:cSld>
@@ -3983,7 +4453,7 @@
             <a:pPr marL="0" indent="0" algn="ctr">
               <a:buNone/>
             </a:pPr>
-            <a:endParaRPr lang="en-US" sz="4400" dirty="0"/>
+            <a:endParaRPr lang="en-US" sz="4400" dirty="0" smtClean="0"/>
           </a:p>
           <a:p>
             <a:pPr marL="0" indent="0" algn="ctr">
@@ -3991,11 +4461,7 @@
             </a:pPr>
             <a:r>
               <a:rPr lang="en-US" sz="4400" dirty="0" smtClean="0"/>
-              <a:t>High </a:t>
-            </a:r>
-            <a:r>
-              <a:rPr lang="en-US" sz="4400" dirty="0"/>
-              <a:t>order functions</a:t>
+              <a:t>5. Recursion</a:t>
             </a:r>
             <a:endParaRPr lang="en-US" sz="4400" dirty="0"/>
           </a:p>
@@ -4004,7 +4470,7 @@
     </p:spTree>
     <p:extLst>
       <p:ext uri="{BB962C8B-B14F-4D97-AF65-F5344CB8AC3E}">
-        <p14:creationId xmlns:p14="http://schemas.microsoft.com/office/powerpoint/2010/main" val="19850599"/>
+        <p14:creationId xmlns:p14="http://schemas.microsoft.com/office/powerpoint/2010/main" val="1667088247"/>
       </p:ext>
     </p:extLst>
   </p:cSld>
